--- a/WORD/luanvan_nhanhnt_ver3.pptx
+++ b/WORD/luanvan_nhanhnt_ver3.pptx
@@ -11146,7 +11146,7 @@
         </p:nvSpPr>
         <p:spPr>
           <a:xfrm>
-            <a:off x="9752012" y="1219200"/>
+            <a:off x="7466012" y="990600"/>
             <a:ext cx="4191000" cy="5867400"/>
           </a:xfrm>
           <a:prstGeom prst="rect">
@@ -11323,9 +11323,8 @@
             </a:pPr>
             <a:r>
               <a:rPr lang="en-US" b="1" dirty="0" smtClean="0"/>
-              <a:t>Team support</a:t>
-            </a:r>
-            <a:endParaRPr lang="en-US" b="1" dirty="0"/>
+              <a:t>Help</a:t>
+            </a:r>
           </a:p>
           <a:p>
             <a:pPr lvl="2" indent="401638">
@@ -11338,7 +11337,421 @@
             </a:pPr>
             <a:r>
               <a:rPr lang="en-US" dirty="0" smtClean="0"/>
-              <a:t>Hệ thống quản trị để quản lý dự án của người dùng</a:t>
+              <a:t>Cung cấp hệ thống tài liệu mở rộng</a:t>
+            </a:r>
+            <a:endParaRPr lang="vi-VN" dirty="0"/>
+          </a:p>
+        </p:txBody>
+      </p:sp>
+      <p:sp>
+        <p:nvSpPr>
+          <p:cNvPr id="14" name="Content Placeholder 2"/>
+          <p:cNvSpPr txBox="1">
+            <a:spLocks/>
+          </p:cNvSpPr>
+          <p:nvPr/>
+        </p:nvSpPr>
+        <p:spPr>
+          <a:xfrm>
+            <a:off x="7443347" y="990600"/>
+            <a:ext cx="4191000" cy="5867400"/>
+          </a:xfrm>
+          <a:prstGeom prst="rect">
+            <a:avLst/>
+          </a:prstGeom>
+        </p:spPr>
+        <p:txBody>
+          <a:bodyPr vert="horz" lIns="91440" tIns="45720" rIns="91440" bIns="45720" rtlCol="0">
+            <a:normAutofit/>
+          </a:bodyPr>
+          <a:lstStyle>
+            <a:lvl1pPr marL="0" indent="0" algn="just" defTabSz="914400" rtl="0" eaLnBrk="1" latinLnBrk="0" hangingPunct="1">
+              <a:lnSpc>
+                <a:spcPct val="150000"/>
+              </a:lnSpc>
+              <a:spcBef>
+                <a:spcPct val="20000"/>
+              </a:spcBef>
+              <a:buFont typeface="Arial" pitchFamily="34" charset="0"/>
+              <a:buNone/>
+              <a:defRPr lang="en-US" sz="2400" b="1" kern="1200" dirty="0" smtClean="0">
+                <a:solidFill>
+                  <a:srgbClr val="000066"/>
+                </a:solidFill>
+                <a:latin typeface="Times New Roman" pitchFamily="18" charset="0"/>
+                <a:ea typeface="+mn-ea"/>
+                <a:cs typeface="Times New Roman" pitchFamily="18" charset="0"/>
+              </a:defRPr>
+            </a:lvl1pPr>
+            <a:lvl2pPr marL="457200" indent="0" algn="just" defTabSz="914400" rtl="0" eaLnBrk="1" latinLnBrk="0" hangingPunct="1">
+              <a:lnSpc>
+                <a:spcPct val="150000"/>
+              </a:lnSpc>
+              <a:spcBef>
+                <a:spcPct val="20000"/>
+              </a:spcBef>
+              <a:buFont typeface="Arial" pitchFamily="34" charset="0"/>
+              <a:buNone/>
+              <a:defRPr lang="en-US" sz="2400" kern="1200" dirty="0" smtClean="0">
+                <a:solidFill>
+                  <a:srgbClr val="000066"/>
+                </a:solidFill>
+                <a:latin typeface="Times New Roman" pitchFamily="18" charset="0"/>
+                <a:ea typeface="+mn-ea"/>
+                <a:cs typeface="Times New Roman" pitchFamily="18" charset="0"/>
+              </a:defRPr>
+            </a:lvl2pPr>
+            <a:lvl3pPr marL="0" indent="685800" algn="just" defTabSz="914400" rtl="0" eaLnBrk="1" latinLnBrk="0" hangingPunct="1">
+              <a:lnSpc>
+                <a:spcPct val="150000"/>
+              </a:lnSpc>
+              <a:spcBef>
+                <a:spcPts val="600"/>
+              </a:spcBef>
+              <a:spcAft>
+                <a:spcPts val="600"/>
+              </a:spcAft>
+              <a:buFont typeface="Arial" pitchFamily="34" charset="0"/>
+              <a:buNone/>
+              <a:defRPr lang="en-US" sz="2400" kern="1200" dirty="0" smtClean="0">
+                <a:solidFill>
+                  <a:srgbClr val="000066"/>
+                </a:solidFill>
+                <a:latin typeface="Times New Roman" pitchFamily="18" charset="0"/>
+                <a:ea typeface="+mn-ea"/>
+                <a:cs typeface="Times New Roman" pitchFamily="18" charset="0"/>
+              </a:defRPr>
+            </a:lvl3pPr>
+            <a:lvl4pPr marL="1371600" indent="0" algn="just" defTabSz="914400" rtl="0" eaLnBrk="1" latinLnBrk="0" hangingPunct="1">
+              <a:lnSpc>
+                <a:spcPct val="150000"/>
+              </a:lnSpc>
+              <a:spcBef>
+                <a:spcPct val="20000"/>
+              </a:spcBef>
+              <a:buFont typeface="Arial" pitchFamily="34" charset="0"/>
+              <a:buNone/>
+              <a:defRPr lang="en-US" sz="2400" kern="1200" dirty="0" smtClean="0">
+                <a:solidFill>
+                  <a:srgbClr val="000066"/>
+                </a:solidFill>
+                <a:latin typeface="Times New Roman" pitchFamily="18" charset="0"/>
+                <a:ea typeface="+mn-ea"/>
+                <a:cs typeface="Times New Roman" pitchFamily="18" charset="0"/>
+              </a:defRPr>
+            </a:lvl4pPr>
+            <a:lvl5pPr marL="1828800" indent="0" algn="just" defTabSz="914400" rtl="0" eaLnBrk="1" latinLnBrk="0" hangingPunct="1">
+              <a:lnSpc>
+                <a:spcPct val="150000"/>
+              </a:lnSpc>
+              <a:spcBef>
+                <a:spcPct val="20000"/>
+              </a:spcBef>
+              <a:buFont typeface="Arial" pitchFamily="34" charset="0"/>
+              <a:buNone/>
+              <a:defRPr lang="en-US" sz="2400" kern="1200" dirty="0">
+                <a:solidFill>
+                  <a:srgbClr val="000066"/>
+                </a:solidFill>
+                <a:latin typeface="Times New Roman" pitchFamily="18" charset="0"/>
+                <a:ea typeface="+mn-ea"/>
+                <a:cs typeface="Times New Roman" pitchFamily="18" charset="0"/>
+              </a:defRPr>
+            </a:lvl5pPr>
+            <a:lvl6pPr marL="2514600" indent="-228600" algn="l" defTabSz="914400" rtl="0" eaLnBrk="1" latinLnBrk="0" hangingPunct="1">
+              <a:spcBef>
+                <a:spcPct val="20000"/>
+              </a:spcBef>
+              <a:buFont typeface="Arial" pitchFamily="34" charset="0"/>
+              <a:buChar char="•"/>
+              <a:defRPr sz="2000" kern="1200">
+                <a:solidFill>
+                  <a:schemeClr val="tx1"/>
+                </a:solidFill>
+                <a:latin typeface="+mn-lt"/>
+                <a:ea typeface="+mn-ea"/>
+                <a:cs typeface="+mn-cs"/>
+              </a:defRPr>
+            </a:lvl6pPr>
+            <a:lvl7pPr marL="2971800" indent="-228600" algn="l" defTabSz="914400" rtl="0" eaLnBrk="1" latinLnBrk="0" hangingPunct="1">
+              <a:spcBef>
+                <a:spcPct val="20000"/>
+              </a:spcBef>
+              <a:buFont typeface="Arial" pitchFamily="34" charset="0"/>
+              <a:buChar char="•"/>
+              <a:defRPr sz="2000" kern="1200">
+                <a:solidFill>
+                  <a:schemeClr val="tx1"/>
+                </a:solidFill>
+                <a:latin typeface="+mn-lt"/>
+                <a:ea typeface="+mn-ea"/>
+                <a:cs typeface="+mn-cs"/>
+              </a:defRPr>
+            </a:lvl7pPr>
+            <a:lvl8pPr marL="3429000" indent="-228600" algn="l" defTabSz="914400" rtl="0" eaLnBrk="1" latinLnBrk="0" hangingPunct="1">
+              <a:spcBef>
+                <a:spcPct val="20000"/>
+              </a:spcBef>
+              <a:buFont typeface="Arial" pitchFamily="34" charset="0"/>
+              <a:buChar char="•"/>
+              <a:defRPr sz="2000" kern="1200">
+                <a:solidFill>
+                  <a:schemeClr val="tx1"/>
+                </a:solidFill>
+                <a:latin typeface="+mn-lt"/>
+                <a:ea typeface="+mn-ea"/>
+                <a:cs typeface="+mn-cs"/>
+              </a:defRPr>
+            </a:lvl8pPr>
+            <a:lvl9pPr marL="3886200" indent="-228600" algn="l" defTabSz="914400" rtl="0" eaLnBrk="1" latinLnBrk="0" hangingPunct="1">
+              <a:spcBef>
+                <a:spcPct val="20000"/>
+              </a:spcBef>
+              <a:buFont typeface="Arial" pitchFamily="34" charset="0"/>
+              <a:buChar char="•"/>
+              <a:defRPr sz="2000" kern="1200">
+                <a:solidFill>
+                  <a:schemeClr val="tx1"/>
+                </a:solidFill>
+                <a:latin typeface="+mn-lt"/>
+                <a:ea typeface="+mn-ea"/>
+                <a:cs typeface="+mn-cs"/>
+              </a:defRPr>
+            </a:lvl9pPr>
+          </a:lstStyle>
+          <a:p>
+            <a:pPr lvl="2" algn="ctr">
+              <a:spcBef>
+                <a:spcPts val="0"/>
+              </a:spcBef>
+              <a:spcAft>
+                <a:spcPts val="0"/>
+              </a:spcAft>
+            </a:pPr>
+            <a:r>
+              <a:rPr lang="en-US" b="1" dirty="0" smtClean="0"/>
+              <a:t>JDT</a:t>
+            </a:r>
+          </a:p>
+          <a:p>
+            <a:pPr lvl="2" indent="401638">
+              <a:spcBef>
+                <a:spcPts val="0"/>
+              </a:spcBef>
+              <a:spcAft>
+                <a:spcPts val="0"/>
+              </a:spcAft>
+            </a:pPr>
+            <a:r>
+              <a:rPr lang="en-US" dirty="0" smtClean="0"/>
+              <a:t>Tập các plug-in hỗ trợ phát triển các ứng dụng viết bằng java</a:t>
+            </a:r>
+            <a:endParaRPr lang="vi-VN" dirty="0"/>
+          </a:p>
+        </p:txBody>
+      </p:sp>
+      <p:sp>
+        <p:nvSpPr>
+          <p:cNvPr id="15" name="Content Placeholder 2"/>
+          <p:cNvSpPr txBox="1">
+            <a:spLocks/>
+          </p:cNvSpPr>
+          <p:nvPr/>
+        </p:nvSpPr>
+        <p:spPr>
+          <a:xfrm>
+            <a:off x="7466012" y="990600"/>
+            <a:ext cx="4191000" cy="5867400"/>
+          </a:xfrm>
+          <a:prstGeom prst="rect">
+            <a:avLst/>
+          </a:prstGeom>
+        </p:spPr>
+        <p:txBody>
+          <a:bodyPr vert="horz" lIns="91440" tIns="45720" rIns="91440" bIns="45720" rtlCol="0">
+            <a:normAutofit/>
+          </a:bodyPr>
+          <a:lstStyle>
+            <a:lvl1pPr marL="0" indent="0" algn="just" defTabSz="914400" rtl="0" eaLnBrk="1" latinLnBrk="0" hangingPunct="1">
+              <a:lnSpc>
+                <a:spcPct val="150000"/>
+              </a:lnSpc>
+              <a:spcBef>
+                <a:spcPct val="20000"/>
+              </a:spcBef>
+              <a:buFont typeface="Arial" pitchFamily="34" charset="0"/>
+              <a:buNone/>
+              <a:defRPr lang="en-US" sz="2400" b="1" kern="1200" dirty="0" smtClean="0">
+                <a:solidFill>
+                  <a:srgbClr val="000066"/>
+                </a:solidFill>
+                <a:latin typeface="Times New Roman" pitchFamily="18" charset="0"/>
+                <a:ea typeface="+mn-ea"/>
+                <a:cs typeface="Times New Roman" pitchFamily="18" charset="0"/>
+              </a:defRPr>
+            </a:lvl1pPr>
+            <a:lvl2pPr marL="457200" indent="0" algn="just" defTabSz="914400" rtl="0" eaLnBrk="1" latinLnBrk="0" hangingPunct="1">
+              <a:lnSpc>
+                <a:spcPct val="150000"/>
+              </a:lnSpc>
+              <a:spcBef>
+                <a:spcPct val="20000"/>
+              </a:spcBef>
+              <a:buFont typeface="Arial" pitchFamily="34" charset="0"/>
+              <a:buNone/>
+              <a:defRPr lang="en-US" sz="2400" kern="1200" dirty="0" smtClean="0">
+                <a:solidFill>
+                  <a:srgbClr val="000066"/>
+                </a:solidFill>
+                <a:latin typeface="Times New Roman" pitchFamily="18" charset="0"/>
+                <a:ea typeface="+mn-ea"/>
+                <a:cs typeface="Times New Roman" pitchFamily="18" charset="0"/>
+              </a:defRPr>
+            </a:lvl2pPr>
+            <a:lvl3pPr marL="0" indent="685800" algn="just" defTabSz="914400" rtl="0" eaLnBrk="1" latinLnBrk="0" hangingPunct="1">
+              <a:lnSpc>
+                <a:spcPct val="150000"/>
+              </a:lnSpc>
+              <a:spcBef>
+                <a:spcPts val="600"/>
+              </a:spcBef>
+              <a:spcAft>
+                <a:spcPts val="600"/>
+              </a:spcAft>
+              <a:buFont typeface="Arial" pitchFamily="34" charset="0"/>
+              <a:buNone/>
+              <a:defRPr lang="en-US" sz="2400" kern="1200" dirty="0" smtClean="0">
+                <a:solidFill>
+                  <a:srgbClr val="000066"/>
+                </a:solidFill>
+                <a:latin typeface="Times New Roman" pitchFamily="18" charset="0"/>
+                <a:ea typeface="+mn-ea"/>
+                <a:cs typeface="Times New Roman" pitchFamily="18" charset="0"/>
+              </a:defRPr>
+            </a:lvl3pPr>
+            <a:lvl4pPr marL="1371600" indent="0" algn="just" defTabSz="914400" rtl="0" eaLnBrk="1" latinLnBrk="0" hangingPunct="1">
+              <a:lnSpc>
+                <a:spcPct val="150000"/>
+              </a:lnSpc>
+              <a:spcBef>
+                <a:spcPct val="20000"/>
+              </a:spcBef>
+              <a:buFont typeface="Arial" pitchFamily="34" charset="0"/>
+              <a:buNone/>
+              <a:defRPr lang="en-US" sz="2400" kern="1200" dirty="0" smtClean="0">
+                <a:solidFill>
+                  <a:srgbClr val="000066"/>
+                </a:solidFill>
+                <a:latin typeface="Times New Roman" pitchFamily="18" charset="0"/>
+                <a:ea typeface="+mn-ea"/>
+                <a:cs typeface="Times New Roman" pitchFamily="18" charset="0"/>
+              </a:defRPr>
+            </a:lvl4pPr>
+            <a:lvl5pPr marL="1828800" indent="0" algn="just" defTabSz="914400" rtl="0" eaLnBrk="1" latinLnBrk="0" hangingPunct="1">
+              <a:lnSpc>
+                <a:spcPct val="150000"/>
+              </a:lnSpc>
+              <a:spcBef>
+                <a:spcPct val="20000"/>
+              </a:spcBef>
+              <a:buFont typeface="Arial" pitchFamily="34" charset="0"/>
+              <a:buNone/>
+              <a:defRPr lang="en-US" sz="2400" kern="1200" dirty="0">
+                <a:solidFill>
+                  <a:srgbClr val="000066"/>
+                </a:solidFill>
+                <a:latin typeface="Times New Roman" pitchFamily="18" charset="0"/>
+                <a:ea typeface="+mn-ea"/>
+                <a:cs typeface="Times New Roman" pitchFamily="18" charset="0"/>
+              </a:defRPr>
+            </a:lvl5pPr>
+            <a:lvl6pPr marL="2514600" indent="-228600" algn="l" defTabSz="914400" rtl="0" eaLnBrk="1" latinLnBrk="0" hangingPunct="1">
+              <a:spcBef>
+                <a:spcPct val="20000"/>
+              </a:spcBef>
+              <a:buFont typeface="Arial" pitchFamily="34" charset="0"/>
+              <a:buChar char="•"/>
+              <a:defRPr sz="2000" kern="1200">
+                <a:solidFill>
+                  <a:schemeClr val="tx1"/>
+                </a:solidFill>
+                <a:latin typeface="+mn-lt"/>
+                <a:ea typeface="+mn-ea"/>
+                <a:cs typeface="+mn-cs"/>
+              </a:defRPr>
+            </a:lvl6pPr>
+            <a:lvl7pPr marL="2971800" indent="-228600" algn="l" defTabSz="914400" rtl="0" eaLnBrk="1" latinLnBrk="0" hangingPunct="1">
+              <a:spcBef>
+                <a:spcPct val="20000"/>
+              </a:spcBef>
+              <a:buFont typeface="Arial" pitchFamily="34" charset="0"/>
+              <a:buChar char="•"/>
+              <a:defRPr sz="2000" kern="1200">
+                <a:solidFill>
+                  <a:schemeClr val="tx1"/>
+                </a:solidFill>
+                <a:latin typeface="+mn-lt"/>
+                <a:ea typeface="+mn-ea"/>
+                <a:cs typeface="+mn-cs"/>
+              </a:defRPr>
+            </a:lvl7pPr>
+            <a:lvl8pPr marL="3429000" indent="-228600" algn="l" defTabSz="914400" rtl="0" eaLnBrk="1" latinLnBrk="0" hangingPunct="1">
+              <a:spcBef>
+                <a:spcPct val="20000"/>
+              </a:spcBef>
+              <a:buFont typeface="Arial" pitchFamily="34" charset="0"/>
+              <a:buChar char="•"/>
+              <a:defRPr sz="2000" kern="1200">
+                <a:solidFill>
+                  <a:schemeClr val="tx1"/>
+                </a:solidFill>
+                <a:latin typeface="+mn-lt"/>
+                <a:ea typeface="+mn-ea"/>
+                <a:cs typeface="+mn-cs"/>
+              </a:defRPr>
+            </a:lvl8pPr>
+            <a:lvl9pPr marL="3886200" indent="-228600" algn="l" defTabSz="914400" rtl="0" eaLnBrk="1" latinLnBrk="0" hangingPunct="1">
+              <a:spcBef>
+                <a:spcPct val="20000"/>
+              </a:spcBef>
+              <a:buFont typeface="Arial" pitchFamily="34" charset="0"/>
+              <a:buChar char="•"/>
+              <a:defRPr sz="2000" kern="1200">
+                <a:solidFill>
+                  <a:schemeClr val="tx1"/>
+                </a:solidFill>
+                <a:latin typeface="+mn-lt"/>
+                <a:ea typeface="+mn-ea"/>
+                <a:cs typeface="+mn-cs"/>
+              </a:defRPr>
+            </a:lvl9pPr>
+          </a:lstStyle>
+          <a:p>
+            <a:pPr lvl="2" algn="ctr">
+              <a:spcBef>
+                <a:spcPts val="0"/>
+              </a:spcBef>
+              <a:spcAft>
+                <a:spcPts val="0"/>
+              </a:spcAft>
+            </a:pPr>
+            <a:r>
+              <a:rPr lang="en-US" b="1" dirty="0" smtClean="0"/>
+              <a:t>PDE</a:t>
+            </a:r>
+          </a:p>
+          <a:p>
+            <a:pPr lvl="2" indent="401638">
+              <a:spcBef>
+                <a:spcPts val="0"/>
+              </a:spcBef>
+              <a:spcAft>
+                <a:spcPts val="0"/>
+              </a:spcAft>
+            </a:pPr>
+            <a:r>
+              <a:rPr lang="en-US" dirty="0" smtClean="0"/>
+              <a:t>Tập các plug-in hỗ trợ phát triển plug-in cho Eclipse</a:t>
             </a:r>
             <a:endParaRPr lang="vi-VN" dirty="0"/>
           </a:p>
@@ -11960,6 +12373,128 @@
                       </p:childTnLst>
                     </p:cTn>
                   </p:par>
+                  <p:par>
+                    <p:cTn id="39" fill="hold">
+                      <p:stCondLst>
+                        <p:cond delay="indefinite"/>
+                      </p:stCondLst>
+                      <p:childTnLst>
+                        <p:par>
+                          <p:cTn id="40" fill="hold">
+                            <p:stCondLst>
+                              <p:cond delay="0"/>
+                            </p:stCondLst>
+                            <p:childTnLst>
+                              <p:par>
+                                <p:cTn id="41" presetID="1" presetClass="entr" presetSubtype="0" fill="hold" grpId="0" nodeType="clickEffect">
+                                  <p:stCondLst>
+                                    <p:cond delay="0"/>
+                                  </p:stCondLst>
+                                  <p:childTnLst>
+                                    <p:set>
+                                      <p:cBhvr>
+                                        <p:cTn id="42" dur="1" fill="hold">
+                                          <p:stCondLst>
+                                            <p:cond delay="0"/>
+                                          </p:stCondLst>
+                                        </p:cTn>
+                                        <p:tgtEl>
+                                          <p:spTgt spid="14"/>
+                                        </p:tgtEl>
+                                        <p:attrNameLst>
+                                          <p:attrName>style.visibility</p:attrName>
+                                        </p:attrNameLst>
+                                      </p:cBhvr>
+                                      <p:to>
+                                        <p:strVal val="visible"/>
+                                      </p:to>
+                                    </p:set>
+                                  </p:childTnLst>
+                                  <p:subTnLst>
+                                    <p:set>
+                                      <p:cBhvr override="childStyle">
+                                        <p:cTn dur="1" fill="hold" display="0" masterRel="nextClick" afterEffect="1"/>
+                                        <p:tgtEl>
+                                          <p:spTgt spid="14"/>
+                                        </p:tgtEl>
+                                        <p:attrNameLst>
+                                          <p:attrName>style.visibility</p:attrName>
+                                        </p:attrNameLst>
+                                      </p:cBhvr>
+                                      <p:to>
+                                        <p:strVal val="hidden"/>
+                                      </p:to>
+                                    </p:set>
+                                  </p:subTnLst>
+                                </p:cTn>
+                              </p:par>
+                            </p:childTnLst>
+                          </p:cTn>
+                        </p:par>
+                      </p:childTnLst>
+                    </p:cTn>
+                  </p:par>
+                  <p:par>
+                    <p:cTn id="43" fill="hold">
+                      <p:stCondLst>
+                        <p:cond delay="indefinite"/>
+                      </p:stCondLst>
+                      <p:childTnLst>
+                        <p:par>
+                          <p:cTn id="44" fill="hold">
+                            <p:stCondLst>
+                              <p:cond delay="0"/>
+                            </p:stCondLst>
+                            <p:childTnLst>
+                              <p:par>
+                                <p:cTn id="45" presetID="1" presetClass="entr" presetSubtype="0" fill="hold" grpId="0" nodeType="clickEffect">
+                                  <p:stCondLst>
+                                    <p:cond delay="0"/>
+                                  </p:stCondLst>
+                                  <p:childTnLst>
+                                    <p:set>
+                                      <p:cBhvr>
+                                        <p:cTn id="46" dur="1" fill="hold">
+                                          <p:stCondLst>
+                                            <p:cond delay="0"/>
+                                          </p:stCondLst>
+                                        </p:cTn>
+                                        <p:tgtEl>
+                                          <p:spTgt spid="15"/>
+                                        </p:tgtEl>
+                                        <p:attrNameLst>
+                                          <p:attrName>style.visibility</p:attrName>
+                                        </p:attrNameLst>
+                                      </p:cBhvr>
+                                      <p:to>
+                                        <p:strVal val="visible"/>
+                                      </p:to>
+                                    </p:set>
+                                  </p:childTnLst>
+                                  <p:subTnLst>
+                                    <p:set>
+                                      <p:cBhvr override="childStyle">
+                                        <p:cTn dur="1" fill="hold" display="0" masterRel="nextClick" afterEffect="1"/>
+                                        <p:tgtEl>
+                                          <p:spTgt spid="15"/>
+                                        </p:tgtEl>
+                                        <p:attrNameLst>
+                                          <p:attrName>style.visibility</p:attrName>
+                                        </p:attrNameLst>
+                                      </p:cBhvr>
+                                      <p:to>
+                                        <p:strVal val="hidden"/>
+                                      </p:to>
+                                    </p:set>
+                                  </p:subTnLst>
+                                </p:cTn>
+                              </p:par>
+                            </p:childTnLst>
+                          </p:cTn>
+                        </p:par>
+                      </p:childTnLst>
+                    </p:cTn>
+                  </p:par>
                 </p:childTnLst>
               </p:cTn>
               <p:prevCondLst>
@@ -11990,6 +12525,8 @@
       <p:bldP spid="11" grpId="0"/>
       <p:bldP spid="12" grpId="0"/>
       <p:bldP spid="13" grpId="0"/>
+      <p:bldP spid="14" grpId="0"/>
+      <p:bldP spid="15" grpId="0"/>
     </p:bldLst>
   </p:timing>
 </p:sld>
